--- a/Proposal_Presentation.pptx
+++ b/Proposal_Presentation.pptx
@@ -14909,6 +14909,10 @@
           <a:bodyPr/>
           <a:lstStyle/>
           <a:p>
+            <a:r>
+              <a:rPr lang="en-US" dirty="0" smtClean="0"/>
+              <a:t>Implementation	</a:t>
+            </a:r>
             <a:endParaRPr lang="en-US" dirty="0"/>
           </a:p>
         </p:txBody>
@@ -14928,7 +14932,56 @@
           <a:bodyPr/>
           <a:lstStyle/>
           <a:p>
-            <a:endParaRPr lang="en-US"/>
+            <a:r>
+              <a:rPr lang="en-US" dirty="0" smtClean="0"/>
+              <a:t>A simple web-page to access the graph database:</a:t>
+            </a:r>
+          </a:p>
+          <a:p>
+            <a:pPr lvl="1"/>
+            <a:r>
+              <a:rPr lang="en-US" dirty="0"/>
+              <a:t>Input : Current </a:t>
+            </a:r>
+            <a:r>
+              <a:rPr lang="en-US" dirty="0" smtClean="0"/>
+              <a:t>bench</a:t>
+            </a:r>
+            <a:r>
+              <a:rPr lang="en-US" smtClean="0"/>
+              <a:t>/bullpen, </a:t>
+            </a:r>
+            <a:r>
+              <a:rPr lang="en-US" dirty="0"/>
+              <a:t>Opposite Player, Hitter or Pitcher</a:t>
+            </a:r>
+          </a:p>
+          <a:p>
+            <a:pPr lvl="1"/>
+            <a:r>
+              <a:rPr lang="en-US" dirty="0"/>
+              <a:t>Output: Recommendation of player to put on the field</a:t>
+            </a:r>
+          </a:p>
+          <a:p>
+            <a:r>
+              <a:rPr lang="en-US" dirty="0" smtClean="0"/>
+              <a:t>Given our past project, we could use </a:t>
+            </a:r>
+            <a:r>
+              <a:rPr lang="en-US" dirty="0" err="1" smtClean="0"/>
+              <a:t>Django</a:t>
+            </a:r>
+            <a:r>
+              <a:rPr lang="en-US" dirty="0" smtClean="0"/>
+              <a:t> again, however maybe too complex for this simple application </a:t>
+            </a:r>
+          </a:p>
+          <a:p>
+            <a:r>
+              <a:rPr lang="en-US" dirty="0" smtClean="0"/>
+              <a:t>Java-based Play framework / Micro Web Framework Spark if Using Java</a:t>
+            </a:r>
           </a:p>
         </p:txBody>
       </p:sp>
